--- a/Web Design &UI/4. JS OOP/Presentacions/Prototypal-inheritance.pptx
+++ b/Web Design &UI/4. JS OOP/Presentacions/Prototypal-inheritance.pptx
@@ -229,7 +229,7 @@
           <a:p>
             <a:fld id="{A4104AAA-59F5-4B14-9528-BC29175B4F0F}" type="datetimeFigureOut">
               <a:rPr lang="en-US" smtClean="0"/>
-              <a:t>22-Jun-15</a:t>
+              <a:t>7/1/2015</a:t>
             </a:fld>
             <a:endParaRPr lang="en-US"/>
           </a:p>
@@ -4718,7 +4718,7 @@
           <a:noFill/>
           <a:extLst>
             <a:ext uri="{909E8E84-426E-40dd-AFC4-6F175D3DCCD1}">
-              <a14:hiddenFill xmlns:a14="http://schemas.microsoft.com/office/drawing/2010/main" xmlns="">
+              <a14:hiddenFill xmlns="" xmlns:a14="http://schemas.microsoft.com/office/drawing/2010/main">
                 <a:solidFill>
                   <a:srgbClr val="FFFFFF"/>
                 </a:solidFill>
@@ -4763,14 +4763,14 @@
           <a:effectLst/>
           <a:extLst>
             <a:ext uri="{909E8E84-426E-40dd-AFC4-6F175D3DCCD1}">
-              <a14:hiddenFill xmlns:a14="http://schemas.microsoft.com/office/drawing/2010/main" xmlns="">
+              <a14:hiddenFill xmlns="" xmlns:a14="http://schemas.microsoft.com/office/drawing/2010/main">
                 <a:solidFill>
                   <a:schemeClr val="accent1"/>
                 </a:solidFill>
               </a14:hiddenFill>
             </a:ext>
             <a:ext uri="{91240B29-F687-4f45-9708-019B960494DF}">
-              <a14:hiddenLine xmlns:a14="http://schemas.microsoft.com/office/drawing/2010/main" xmlns="" w="9525">
+              <a14:hiddenLine xmlns="" xmlns:a14="http://schemas.microsoft.com/office/drawing/2010/main" w="9525">
                 <a:solidFill>
                   <a:schemeClr val="tx1"/>
                 </a:solidFill>
@@ -4780,7 +4780,7 @@
               </a14:hiddenLine>
             </a:ext>
             <a:ext uri="{AF507438-7753-43e0-B8FC-AC1667EBCBE1}">
-              <a14:hiddenEffects xmlns:a14="http://schemas.microsoft.com/office/drawing/2010/main" xmlns="">
+              <a14:hiddenEffects xmlns="" xmlns:a14="http://schemas.microsoft.com/office/drawing/2010/main">
                 <a:effectLst>
                   <a:outerShdw dist="35921" dir="2700000" algn="ctr" rotWithShape="0">
                     <a:schemeClr val="bg2"/>
@@ -4827,14 +4827,14 @@
           <a:effectLst/>
           <a:extLst>
             <a:ext uri="{909E8E84-426E-40dd-AFC4-6F175D3DCCD1}">
-              <a14:hiddenFill xmlns:a14="http://schemas.microsoft.com/office/drawing/2010/main" xmlns="">
+              <a14:hiddenFill xmlns="" xmlns:a14="http://schemas.microsoft.com/office/drawing/2010/main">
                 <a:solidFill>
                   <a:schemeClr val="accent1"/>
                 </a:solidFill>
               </a14:hiddenFill>
             </a:ext>
             <a:ext uri="{91240B29-F687-4f45-9708-019B960494DF}">
-              <a14:hiddenLine xmlns:a14="http://schemas.microsoft.com/office/drawing/2010/main" xmlns="" w="9525">
+              <a14:hiddenLine xmlns="" xmlns:a14="http://schemas.microsoft.com/office/drawing/2010/main" w="9525">
                 <a:solidFill>
                   <a:schemeClr val="tx1"/>
                 </a:solidFill>
@@ -4844,7 +4844,7 @@
               </a14:hiddenLine>
             </a:ext>
             <a:ext uri="{AF507438-7753-43e0-B8FC-AC1667EBCBE1}">
-              <a14:hiddenEffects xmlns:a14="http://schemas.microsoft.com/office/drawing/2010/main" xmlns="">
+              <a14:hiddenEffects xmlns="" xmlns:a14="http://schemas.microsoft.com/office/drawing/2010/main">
                 <a:effectLst>
                   <a:outerShdw dist="35921" dir="2700000" algn="ctr" rotWithShape="0">
                     <a:schemeClr val="bg2"/>
@@ -4904,7 +4904,7 @@
           </a:effectLst>
           <a:extLst>
             <a:ext uri="{909E8E84-426E-40dd-AFC4-6F175D3DCCD1}">
-              <a14:hiddenFill xmlns:a14="http://schemas.microsoft.com/office/drawing/2010/main" xmlns="">
+              <a14:hiddenFill xmlns="" xmlns:a14="http://schemas.microsoft.com/office/drawing/2010/main">
                 <a:solidFill>
                   <a:srgbClr val="FFFFFF"/>
                 </a:solidFill>
@@ -5462,7 +5462,6 @@
               <a:rPr lang="en-US" dirty="0"/>
               <a:t>and Duck Typing</a:t>
             </a:r>
-            <a:endParaRPr lang="en-US" dirty="0"/>
           </a:p>
         </p:txBody>
       </p:sp>
@@ -5643,7 +5642,7 @@
           <a:noFill/>
           <a:extLst>
             <a:ext uri="{909E8E84-426E-40dd-AFC4-6F175D3DCCD1}">
-              <a14:hiddenFill xmlns:a14="http://schemas.microsoft.com/office/drawing/2010/main" xmlns="">
+              <a14:hiddenFill xmlns="" xmlns:a14="http://schemas.microsoft.com/office/drawing/2010/main">
                 <a:solidFill>
                   <a:srgbClr val="FFFFFF"/>
                 </a:solidFill>
@@ -10506,7 +10505,15 @@
             <a:pPr lvl="1"/>
             <a:r>
               <a:rPr lang="en-US" dirty="0" smtClean="0"/>
-              <a:t>i.e. the objects that have this objects as their prototype</a:t>
+              <a:t>i.e. the objects that have this </a:t>
+            </a:r>
+            <a:r>
+              <a:rPr lang="en-US" dirty="0" smtClean="0"/>
+              <a:t>object </a:t>
+            </a:r>
+            <a:r>
+              <a:rPr lang="en-US" dirty="0" smtClean="0"/>
+              <a:t>as their prototype</a:t>
             </a:r>
           </a:p>
           <a:p>
@@ -10540,7 +10547,6 @@
               <a:rPr lang="en-US" dirty="0" smtClean="0"/>
               <a:t>Object has for prototype null, ending the prototype chain</a:t>
             </a:r>
-            <a:endParaRPr lang="en-US" dirty="0" smtClean="0"/>
           </a:p>
         </p:txBody>
       </p:sp>
